--- a/CalendarioAgo21/Presentaciones/5_Direccionamiento.pptx
+++ b/CalendarioAgo21/Presentaciones/5_Direccionamiento.pptx
@@ -228,7 +228,7 @@
           <a:p>
             <a:fld id="{2D445F07-8756-451B-A938-0248325FC7BB}" type="datetimeFigureOut">
               <a:rPr lang="es-MX" smtClean="0"/>
-              <a:t>21/02/2021</a:t>
+              <a:t>27/01/2022</a:t>
             </a:fld>
             <a:endParaRPr lang="es-MX" dirty="0"/>
           </a:p>
@@ -1705,7 +1705,7 @@
           <a:p>
             <a:fld id="{5E75A0DC-66C6-4CEC-A5EB-F8C97CEC3796}" type="datetimeFigureOut">
               <a:rPr lang="es-MX" smtClean="0"/>
-              <a:t>21/02/2021</a:t>
+              <a:t>27/01/2022</a:t>
             </a:fld>
             <a:endParaRPr lang="es-MX" dirty="0"/>
           </a:p>
@@ -1875,7 +1875,7 @@
           <a:p>
             <a:fld id="{5E75A0DC-66C6-4CEC-A5EB-F8C97CEC3796}" type="datetimeFigureOut">
               <a:rPr lang="es-MX" smtClean="0"/>
-              <a:t>21/02/2021</a:t>
+              <a:t>27/01/2022</a:t>
             </a:fld>
             <a:endParaRPr lang="es-MX" dirty="0"/>
           </a:p>
@@ -2055,7 +2055,7 @@
           <a:p>
             <a:fld id="{5E75A0DC-66C6-4CEC-A5EB-F8C97CEC3796}" type="datetimeFigureOut">
               <a:rPr lang="es-MX" smtClean="0"/>
-              <a:t>21/02/2021</a:t>
+              <a:t>27/01/2022</a:t>
             </a:fld>
             <a:endParaRPr lang="es-MX" dirty="0"/>
           </a:p>
@@ -2225,7 +2225,7 @@
           <a:p>
             <a:fld id="{5E75A0DC-66C6-4CEC-A5EB-F8C97CEC3796}" type="datetimeFigureOut">
               <a:rPr lang="es-MX" smtClean="0"/>
-              <a:t>21/02/2021</a:t>
+              <a:t>27/01/2022</a:t>
             </a:fld>
             <a:endParaRPr lang="es-MX" dirty="0"/>
           </a:p>
@@ -2471,7 +2471,7 @@
           <a:p>
             <a:fld id="{5E75A0DC-66C6-4CEC-A5EB-F8C97CEC3796}" type="datetimeFigureOut">
               <a:rPr lang="es-MX" smtClean="0"/>
-              <a:t>21/02/2021</a:t>
+              <a:t>27/01/2022</a:t>
             </a:fld>
             <a:endParaRPr lang="es-MX" dirty="0"/>
           </a:p>
@@ -2759,7 +2759,7 @@
           <a:p>
             <a:fld id="{5E75A0DC-66C6-4CEC-A5EB-F8C97CEC3796}" type="datetimeFigureOut">
               <a:rPr lang="es-MX" smtClean="0"/>
-              <a:t>21/02/2021</a:t>
+              <a:t>27/01/2022</a:t>
             </a:fld>
             <a:endParaRPr lang="es-MX" dirty="0"/>
           </a:p>
@@ -3181,7 +3181,7 @@
           <a:p>
             <a:fld id="{5E75A0DC-66C6-4CEC-A5EB-F8C97CEC3796}" type="datetimeFigureOut">
               <a:rPr lang="es-MX" smtClean="0"/>
-              <a:t>21/02/2021</a:t>
+              <a:t>27/01/2022</a:t>
             </a:fld>
             <a:endParaRPr lang="es-MX" dirty="0"/>
           </a:p>
@@ -3299,7 +3299,7 @@
           <a:p>
             <a:fld id="{5E75A0DC-66C6-4CEC-A5EB-F8C97CEC3796}" type="datetimeFigureOut">
               <a:rPr lang="es-MX" smtClean="0"/>
-              <a:t>21/02/2021</a:t>
+              <a:t>27/01/2022</a:t>
             </a:fld>
             <a:endParaRPr lang="es-MX" dirty="0"/>
           </a:p>
@@ -3394,7 +3394,7 @@
           <a:p>
             <a:fld id="{5E75A0DC-66C6-4CEC-A5EB-F8C97CEC3796}" type="datetimeFigureOut">
               <a:rPr lang="es-MX" smtClean="0"/>
-              <a:t>21/02/2021</a:t>
+              <a:t>27/01/2022</a:t>
             </a:fld>
             <a:endParaRPr lang="es-MX" dirty="0"/>
           </a:p>
@@ -3671,7 +3671,7 @@
           <a:p>
             <a:fld id="{5E75A0DC-66C6-4CEC-A5EB-F8C97CEC3796}" type="datetimeFigureOut">
               <a:rPr lang="es-MX" smtClean="0"/>
-              <a:t>21/02/2021</a:t>
+              <a:t>27/01/2022</a:t>
             </a:fld>
             <a:endParaRPr lang="es-MX" dirty="0"/>
           </a:p>
@@ -3924,7 +3924,7 @@
           <a:p>
             <a:fld id="{5E75A0DC-66C6-4CEC-A5EB-F8C97CEC3796}" type="datetimeFigureOut">
               <a:rPr lang="es-MX" smtClean="0"/>
-              <a:t>21/02/2021</a:t>
+              <a:t>27/01/2022</a:t>
             </a:fld>
             <a:endParaRPr lang="es-MX" dirty="0"/>
           </a:p>
@@ -4137,7 +4137,7 @@
           <a:p>
             <a:fld id="{5E75A0DC-66C6-4CEC-A5EB-F8C97CEC3796}" type="datetimeFigureOut">
               <a:rPr lang="es-MX" smtClean="0"/>
-              <a:t>21/02/2021</a:t>
+              <a:t>27/01/2022</a:t>
             </a:fld>
             <a:endParaRPr lang="es-MX" dirty="0"/>
           </a:p>
@@ -4548,7 +4548,7 @@
                   </a:schemeClr>
                 </a:solidFill>
               </a:rPr>
-              <a:t>TC 2018 </a:t>
+              <a:t>TC 2006B </a:t>
             </a:r>
             <a:br>
               <a:rPr lang="es-MX" sz="3200" dirty="0">
@@ -4567,7 +4567,7 @@
                   </a:schemeClr>
                 </a:solidFill>
               </a:rPr>
-              <a:t>Fundamentos de redes</a:t>
+              <a:t>Interconexión de dispositivos</a:t>
             </a:r>
           </a:p>
         </p:txBody>
@@ -13131,7 +13131,7 @@
           <a:graphicData uri="http://schemas.openxmlformats.org/presentationml/2006/ole">
             <mc:AlternateContent xmlns:mc="http://schemas.openxmlformats.org/markup-compatibility/2006">
               <mc:Choice xmlns:v="urn:schemas-microsoft-com:vml" Requires="v">
-                <p:oleObj spid="_x0000_s24612" name="Bitmap Image" r:id="rId4" imgW="1819280" imgH="2552567" progId="PBrush">
+                <p:oleObj spid="_x0000_s24613" name="Bitmap Image" r:id="rId4" imgW="1819280" imgH="2552567" progId="PBrush">
                   <p:embed/>
                 </p:oleObj>
               </mc:Choice>
